--- a/Results/NOR3CR0015/PreliminaryResults_20201109.pptx
+++ b/Results/NOR3CR0015/PreliminaryResults_20201109.pptx
@@ -114,6 +114,11 @@
       </a:defRPr>
     </a:lvl9pPr>
   </p:defaultTextStyle>
+  <p:extLst>
+    <p:ext uri="{EFAFB233-063F-42B5-8137-9DF3F51BA10A}">
+      <p15:sldGuideLst xmlns:p15="http://schemas.microsoft.com/office/powerpoint/2012/main"/>
+    </p:ext>
+  </p:extLst>
 </p:presentation>
 </file>
 
@@ -199,7 +204,7 @@
           <a:p>
             <a:fld id="{3EDBFA0C-1C12-461B-A0D2-158F655E0E5E}" type="datetimeFigureOut">
               <a:rPr lang="zh-TW" altLang="en-US" smtClean="0"/>
-              <a:t>2020/11/8</a:t>
+              <a:t>2020/11/11</a:t>
             </a:fld>
             <a:endParaRPr lang="zh-TW" altLang="en-US"/>
           </a:p>
@@ -865,7 +870,7 @@
           <a:p>
             <a:fld id="{F907BA12-4A7B-4C97-BC3C-235E4D84433B}" type="datetimeFigureOut">
               <a:rPr lang="zh-TW" altLang="en-US" smtClean="0"/>
-              <a:t>2020/11/8</a:t>
+              <a:t>2020/11/11</a:t>
             </a:fld>
             <a:endParaRPr lang="zh-TW" altLang="en-US"/>
           </a:p>
@@ -1035,7 +1040,7 @@
           <a:p>
             <a:fld id="{F907BA12-4A7B-4C97-BC3C-235E4D84433B}" type="datetimeFigureOut">
               <a:rPr lang="zh-TW" altLang="en-US" smtClean="0"/>
-              <a:t>2020/11/8</a:t>
+              <a:t>2020/11/11</a:t>
             </a:fld>
             <a:endParaRPr lang="zh-TW" altLang="en-US"/>
           </a:p>
@@ -1215,7 +1220,7 @@
           <a:p>
             <a:fld id="{F907BA12-4A7B-4C97-BC3C-235E4D84433B}" type="datetimeFigureOut">
               <a:rPr lang="zh-TW" altLang="en-US" smtClean="0"/>
-              <a:t>2020/11/8</a:t>
+              <a:t>2020/11/11</a:t>
             </a:fld>
             <a:endParaRPr lang="zh-TW" altLang="en-US"/>
           </a:p>
@@ -1385,7 +1390,7 @@
           <a:p>
             <a:fld id="{F907BA12-4A7B-4C97-BC3C-235E4D84433B}" type="datetimeFigureOut">
               <a:rPr lang="zh-TW" altLang="en-US" smtClean="0"/>
-              <a:t>2020/11/8</a:t>
+              <a:t>2020/11/11</a:t>
             </a:fld>
             <a:endParaRPr lang="zh-TW" altLang="en-US"/>
           </a:p>
@@ -1631,7 +1636,7 @@
           <a:p>
             <a:fld id="{F907BA12-4A7B-4C97-BC3C-235E4D84433B}" type="datetimeFigureOut">
               <a:rPr lang="zh-TW" altLang="en-US" smtClean="0"/>
-              <a:t>2020/11/8</a:t>
+              <a:t>2020/11/11</a:t>
             </a:fld>
             <a:endParaRPr lang="zh-TW" altLang="en-US"/>
           </a:p>
@@ -1863,7 +1868,7 @@
           <a:p>
             <a:fld id="{F907BA12-4A7B-4C97-BC3C-235E4D84433B}" type="datetimeFigureOut">
               <a:rPr lang="zh-TW" altLang="en-US" smtClean="0"/>
-              <a:t>2020/11/8</a:t>
+              <a:t>2020/11/11</a:t>
             </a:fld>
             <a:endParaRPr lang="zh-TW" altLang="en-US"/>
           </a:p>
@@ -2230,7 +2235,7 @@
           <a:p>
             <a:fld id="{F907BA12-4A7B-4C97-BC3C-235E4D84433B}" type="datetimeFigureOut">
               <a:rPr lang="zh-TW" altLang="en-US" smtClean="0"/>
-              <a:t>2020/11/8</a:t>
+              <a:t>2020/11/11</a:t>
             </a:fld>
             <a:endParaRPr lang="zh-TW" altLang="en-US"/>
           </a:p>
@@ -2348,7 +2353,7 @@
           <a:p>
             <a:fld id="{F907BA12-4A7B-4C97-BC3C-235E4D84433B}" type="datetimeFigureOut">
               <a:rPr lang="zh-TW" altLang="en-US" smtClean="0"/>
-              <a:t>2020/11/8</a:t>
+              <a:t>2020/11/11</a:t>
             </a:fld>
             <a:endParaRPr lang="zh-TW" altLang="en-US"/>
           </a:p>
@@ -2443,7 +2448,7 @@
           <a:p>
             <a:fld id="{F907BA12-4A7B-4C97-BC3C-235E4D84433B}" type="datetimeFigureOut">
               <a:rPr lang="zh-TW" altLang="en-US" smtClean="0"/>
-              <a:t>2020/11/8</a:t>
+              <a:t>2020/11/11</a:t>
             </a:fld>
             <a:endParaRPr lang="zh-TW" altLang="en-US"/>
           </a:p>
@@ -2720,7 +2725,7 @@
           <a:p>
             <a:fld id="{F907BA12-4A7B-4C97-BC3C-235E4D84433B}" type="datetimeFigureOut">
               <a:rPr lang="zh-TW" altLang="en-US" smtClean="0"/>
-              <a:t>2020/11/8</a:t>
+              <a:t>2020/11/11</a:t>
             </a:fld>
             <a:endParaRPr lang="zh-TW" altLang="en-US"/>
           </a:p>
@@ -2973,7 +2978,7 @@
           <a:p>
             <a:fld id="{F907BA12-4A7B-4C97-BC3C-235E4D84433B}" type="datetimeFigureOut">
               <a:rPr lang="zh-TW" altLang="en-US" smtClean="0"/>
-              <a:t>2020/11/8</a:t>
+              <a:t>2020/11/11</a:t>
             </a:fld>
             <a:endParaRPr lang="zh-TW" altLang="en-US"/>
           </a:p>
@@ -3186,7 +3191,7 @@
           <a:p>
             <a:fld id="{F907BA12-4A7B-4C97-BC3C-235E4D84433B}" type="datetimeFigureOut">
               <a:rPr lang="zh-TW" altLang="en-US" smtClean="0"/>
-              <a:t>2020/11/8</a:t>
+              <a:t>2020/11/11</a:t>
             </a:fld>
             <a:endParaRPr lang="zh-TW" altLang="en-US"/>
           </a:p>
@@ -24221,7 +24226,19 @@
           <a:p>
             <a:r>
               <a:rPr lang="en-US" altLang="zh-TW" sz="3200" b="1" dirty="0" smtClean="0"/>
-              <a:t>Station 2-1 @ 12 hour</a:t>
+              <a:t>Station 2-1 @ </a:t>
+            </a:r>
+            <a:r>
+              <a:rPr lang="en-US" altLang="zh-TW" sz="3200" b="1" dirty="0" smtClean="0"/>
+              <a:t>0</a:t>
+            </a:r>
+            <a:r>
+              <a:rPr lang="zh-TW" altLang="en-US" sz="3200" b="1" smtClean="0"/>
+              <a:t> </a:t>
+            </a:r>
+            <a:r>
+              <a:rPr lang="en-US" altLang="zh-TW" sz="3200" b="1" smtClean="0"/>
+              <a:t>hour</a:t>
             </a:r>
             <a:endParaRPr lang="zh-TW" altLang="en-US" sz="3200" b="1" dirty="0"/>
           </a:p>
